--- a/figures/fig_gen.pptx
+++ b/figures/fig_gen.pptx
@@ -6,6 +6,7 @@
   </p:sldMasterIdLst>
   <p:sldIdLst>
     <p:sldId id="256" r:id="rId2"/>
+    <p:sldId id="257" r:id="rId3"/>
   </p:sldIdLst>
   <p:sldSz cx="12192000" cy="6858000"/>
   <p:notesSz cx="6858000" cy="9144000"/>
@@ -104,6 +105,11 @@
       </a:defRPr>
     </a:lvl9pPr>
   </p:defaultTextStyle>
+  <p:extLst>
+    <p:ext uri="{EFAFB233-063F-42B5-8137-9DF3F51BA10A}">
+      <p15:sldGuideLst xmlns:p15="http://schemas.microsoft.com/office/powerpoint/2012/main"/>
+    </p:ext>
+  </p:extLst>
 </p:presentation>
 </file>
 
@@ -254,7 +260,7 @@
           <a:p>
             <a:fld id="{EB49D758-83BF-9C4A-9935-79DC437BB3FC}" type="datetimeFigureOut">
               <a:rPr lang="en-US" smtClean="0"/>
-              <a:t>9/4/24</a:t>
+              <a:t>9/12/24</a:t>
             </a:fld>
             <a:endParaRPr lang="en-US"/>
           </a:p>
@@ -452,7 +458,7 @@
           <a:p>
             <a:fld id="{EB49D758-83BF-9C4A-9935-79DC437BB3FC}" type="datetimeFigureOut">
               <a:rPr lang="en-US" smtClean="0"/>
-              <a:t>9/4/24</a:t>
+              <a:t>9/12/24</a:t>
             </a:fld>
             <a:endParaRPr lang="en-US"/>
           </a:p>
@@ -660,7 +666,7 @@
           <a:p>
             <a:fld id="{EB49D758-83BF-9C4A-9935-79DC437BB3FC}" type="datetimeFigureOut">
               <a:rPr lang="en-US" smtClean="0"/>
-              <a:t>9/4/24</a:t>
+              <a:t>9/12/24</a:t>
             </a:fld>
             <a:endParaRPr lang="en-US"/>
           </a:p>
@@ -858,7 +864,7 @@
           <a:p>
             <a:fld id="{EB49D758-83BF-9C4A-9935-79DC437BB3FC}" type="datetimeFigureOut">
               <a:rPr lang="en-US" smtClean="0"/>
-              <a:t>9/4/24</a:t>
+              <a:t>9/12/24</a:t>
             </a:fld>
             <a:endParaRPr lang="en-US"/>
           </a:p>
@@ -1133,7 +1139,7 @@
           <a:p>
             <a:fld id="{EB49D758-83BF-9C4A-9935-79DC437BB3FC}" type="datetimeFigureOut">
               <a:rPr lang="en-US" smtClean="0"/>
-              <a:t>9/4/24</a:t>
+              <a:t>9/12/24</a:t>
             </a:fld>
             <a:endParaRPr lang="en-US"/>
           </a:p>
@@ -1398,7 +1404,7 @@
           <a:p>
             <a:fld id="{EB49D758-83BF-9C4A-9935-79DC437BB3FC}" type="datetimeFigureOut">
               <a:rPr lang="en-US" smtClean="0"/>
-              <a:t>9/4/24</a:t>
+              <a:t>9/12/24</a:t>
             </a:fld>
             <a:endParaRPr lang="en-US"/>
           </a:p>
@@ -1810,7 +1816,7 @@
           <a:p>
             <a:fld id="{EB49D758-83BF-9C4A-9935-79DC437BB3FC}" type="datetimeFigureOut">
               <a:rPr lang="en-US" smtClean="0"/>
-              <a:t>9/4/24</a:t>
+              <a:t>9/12/24</a:t>
             </a:fld>
             <a:endParaRPr lang="en-US"/>
           </a:p>
@@ -1951,7 +1957,7 @@
           <a:p>
             <a:fld id="{EB49D758-83BF-9C4A-9935-79DC437BB3FC}" type="datetimeFigureOut">
               <a:rPr lang="en-US" smtClean="0"/>
-              <a:t>9/4/24</a:t>
+              <a:t>9/12/24</a:t>
             </a:fld>
             <a:endParaRPr lang="en-US"/>
           </a:p>
@@ -2064,7 +2070,7 @@
           <a:p>
             <a:fld id="{EB49D758-83BF-9C4A-9935-79DC437BB3FC}" type="datetimeFigureOut">
               <a:rPr lang="en-US" smtClean="0"/>
-              <a:t>9/4/24</a:t>
+              <a:t>9/12/24</a:t>
             </a:fld>
             <a:endParaRPr lang="en-US"/>
           </a:p>
@@ -2375,7 +2381,7 @@
           <a:p>
             <a:fld id="{EB49D758-83BF-9C4A-9935-79DC437BB3FC}" type="datetimeFigureOut">
               <a:rPr lang="en-US" smtClean="0"/>
-              <a:t>9/4/24</a:t>
+              <a:t>9/12/24</a:t>
             </a:fld>
             <a:endParaRPr lang="en-US"/>
           </a:p>
@@ -2663,7 +2669,7 @@
           <a:p>
             <a:fld id="{EB49D758-83BF-9C4A-9935-79DC437BB3FC}" type="datetimeFigureOut">
               <a:rPr lang="en-US" smtClean="0"/>
-              <a:t>9/4/24</a:t>
+              <a:t>9/12/24</a:t>
             </a:fld>
             <a:endParaRPr lang="en-US"/>
           </a:p>
@@ -2904,7 +2910,7 @@
           <a:p>
             <a:fld id="{EB49D758-83BF-9C4A-9935-79DC437BB3FC}" type="datetimeFigureOut">
               <a:rPr lang="en-US" smtClean="0"/>
-              <a:t>9/4/24</a:t>
+              <a:t>9/12/24</a:t>
             </a:fld>
             <a:endParaRPr lang="en-US"/>
           </a:p>
@@ -3504,14 +3510,6 @@
                         </a:rPr>
                         <a:t>Oct</a:t>
                       </a:r>
-                      <a:endParaRPr lang="en-US" sz="1600" dirty="0">
-                        <a:solidFill>
-                          <a:schemeClr val="bg1"/>
-                        </a:solidFill>
-                        <a:latin typeface="Lucida Grande" panose="020B0600040502020204" pitchFamily="34" charset="0"/>
-                        <a:ea typeface="Cascadia Code SemiLight" panose="020B0609020000020004" pitchFamily="34" charset="0"/>
-                        <a:cs typeface="Lucida Grande" panose="020B0600040502020204" pitchFamily="34" charset="0"/>
-                      </a:endParaRPr>
                     </a:p>
                   </a:txBody>
                   <a:tcPr anchor="ctr">
@@ -3576,14 +3574,6 @@
                         </a:rPr>
                         <a:t>Nov</a:t>
                       </a:r>
-                      <a:endParaRPr lang="en-US" sz="1600" dirty="0">
-                        <a:solidFill>
-                          <a:schemeClr val="bg1"/>
-                        </a:solidFill>
-                        <a:latin typeface="Lucida Grande" panose="020B0600040502020204" pitchFamily="34" charset="0"/>
-                        <a:ea typeface="Cascadia Code SemiLight" panose="020B0609020000020004" pitchFamily="34" charset="0"/>
-                        <a:cs typeface="Lucida Grande" panose="020B0600040502020204" pitchFamily="34" charset="0"/>
-                      </a:endParaRPr>
                     </a:p>
                   </a:txBody>
                   <a:tcPr anchor="ctr">
@@ -3648,14 +3638,6 @@
                         </a:rPr>
                         <a:t>Dec</a:t>
                       </a:r>
-                      <a:endParaRPr lang="en-US" sz="1600" dirty="0">
-                        <a:solidFill>
-                          <a:schemeClr val="bg1"/>
-                        </a:solidFill>
-                        <a:latin typeface="Lucida Grande" panose="020B0600040502020204" pitchFamily="34" charset="0"/>
-                        <a:ea typeface="Cascadia Code SemiLight" panose="020B0609020000020004" pitchFamily="34" charset="0"/>
-                        <a:cs typeface="Lucida Grande" panose="020B0600040502020204" pitchFamily="34" charset="0"/>
-                      </a:endParaRPr>
                     </a:p>
                   </a:txBody>
                   <a:tcPr anchor="ctr">
@@ -3720,14 +3702,6 @@
                         </a:rPr>
                         <a:t>Jan</a:t>
                       </a:r>
-                      <a:endParaRPr lang="en-US" sz="1600" dirty="0">
-                        <a:solidFill>
-                          <a:schemeClr val="bg1"/>
-                        </a:solidFill>
-                        <a:latin typeface="Lucida Grande" panose="020B0600040502020204" pitchFamily="34" charset="0"/>
-                        <a:ea typeface="Cascadia Code SemiLight" panose="020B0609020000020004" pitchFamily="34" charset="0"/>
-                        <a:cs typeface="Lucida Grande" panose="020B0600040502020204" pitchFamily="34" charset="0"/>
-                      </a:endParaRPr>
                     </a:p>
                   </a:txBody>
                   <a:tcPr anchor="ctr">
@@ -3792,14 +3766,6 @@
                         </a:rPr>
                         <a:t>Feb</a:t>
                       </a:r>
-                      <a:endParaRPr lang="en-US" sz="1600" dirty="0">
-                        <a:solidFill>
-                          <a:schemeClr val="bg1"/>
-                        </a:solidFill>
-                        <a:latin typeface="Lucida Grande" panose="020B0600040502020204" pitchFamily="34" charset="0"/>
-                        <a:ea typeface="Cascadia Code SemiLight" panose="020B0609020000020004" pitchFamily="34" charset="0"/>
-                        <a:cs typeface="Lucida Grande" panose="020B0600040502020204" pitchFamily="34" charset="0"/>
-                      </a:endParaRPr>
                     </a:p>
                   </a:txBody>
                   <a:tcPr anchor="ctr">
@@ -3864,14 +3830,6 @@
                         </a:rPr>
                         <a:t>Mar</a:t>
                       </a:r>
-                      <a:endParaRPr lang="en-US" sz="1600" dirty="0">
-                        <a:solidFill>
-                          <a:schemeClr val="bg1"/>
-                        </a:solidFill>
-                        <a:latin typeface="Lucida Grande" panose="020B0600040502020204" pitchFamily="34" charset="0"/>
-                        <a:ea typeface="Cascadia Code SemiLight" panose="020B0609020000020004" pitchFamily="34" charset="0"/>
-                        <a:cs typeface="Lucida Grande" panose="020B0600040502020204" pitchFamily="34" charset="0"/>
-                      </a:endParaRPr>
                     </a:p>
                   </a:txBody>
                   <a:tcPr anchor="ctr">
@@ -3936,14 +3894,6 @@
                         </a:rPr>
                         <a:t>April</a:t>
                       </a:r>
-                      <a:endParaRPr lang="en-US" sz="1600" dirty="0">
-                        <a:solidFill>
-                          <a:schemeClr val="bg1"/>
-                        </a:solidFill>
-                        <a:latin typeface="Lucida Grande" panose="020B0600040502020204" pitchFamily="34" charset="0"/>
-                        <a:ea typeface="Cascadia Code SemiLight" panose="020B0609020000020004" pitchFamily="34" charset="0"/>
-                        <a:cs typeface="Lucida Grande" panose="020B0600040502020204" pitchFamily="34" charset="0"/>
-                      </a:endParaRPr>
                     </a:p>
                   </a:txBody>
                   <a:tcPr anchor="ctr">
@@ -4008,14 +3958,6 @@
                         </a:rPr>
                         <a:t>May</a:t>
                       </a:r>
-                      <a:endParaRPr lang="en-US" sz="1600" dirty="0">
-                        <a:solidFill>
-                          <a:schemeClr val="bg1"/>
-                        </a:solidFill>
-                        <a:latin typeface="Lucida Grande" panose="020B0600040502020204" pitchFamily="34" charset="0"/>
-                        <a:ea typeface="Cascadia Code SemiLight" panose="020B0609020000020004" pitchFamily="34" charset="0"/>
-                        <a:cs typeface="Lucida Grande" panose="020B0600040502020204" pitchFamily="34" charset="0"/>
-                      </a:endParaRPr>
                     </a:p>
                   </a:txBody>
                   <a:tcPr anchor="ctr">
@@ -4080,14 +4022,6 @@
                         </a:rPr>
                         <a:t>June</a:t>
                       </a:r>
-                      <a:endParaRPr lang="en-US" sz="1600" dirty="0">
-                        <a:solidFill>
-                          <a:schemeClr val="bg1"/>
-                        </a:solidFill>
-                        <a:latin typeface="Lucida Grande" panose="020B0600040502020204" pitchFamily="34" charset="0"/>
-                        <a:ea typeface="Cascadia Code SemiLight" panose="020B0609020000020004" pitchFamily="34" charset="0"/>
-                        <a:cs typeface="Lucida Grande" panose="020B0600040502020204" pitchFamily="34" charset="0"/>
-                      </a:endParaRPr>
                     </a:p>
                   </a:txBody>
                   <a:tcPr anchor="ctr">
@@ -9995,6 +9929,405 @@
     <p:extLst>
       <p:ext uri="{BB962C8B-B14F-4D97-AF65-F5344CB8AC3E}">
         <p14:creationId xmlns:p14="http://schemas.microsoft.com/office/powerpoint/2010/main" val="2680983284"/>
+      </p:ext>
+    </p:extLst>
+  </p:cSld>
+  <p:clrMapOvr>
+    <a:masterClrMapping/>
+  </p:clrMapOvr>
+</p:sld>
+</file>
+
+<file path=ppt/slides/slide2.xml><?xml version="1.0" encoding="utf-8"?>
+<p:sld xmlns:a="http://schemas.openxmlformats.org/drawingml/2006/main" xmlns:r="http://schemas.openxmlformats.org/officeDocument/2006/relationships" xmlns:p="http://schemas.openxmlformats.org/presentationml/2006/main">
+  <p:cSld>
+    <p:spTree>
+      <p:nvGrpSpPr>
+        <p:cNvPr id="1" name=""/>
+        <p:cNvGrpSpPr/>
+        <p:nvPr/>
+      </p:nvGrpSpPr>
+      <p:grpSpPr>
+        <a:xfrm>
+          <a:off x="0" y="0"/>
+          <a:ext cx="0" cy="0"/>
+          <a:chOff x="0" y="0"/>
+          <a:chExt cx="0" cy="0"/>
+        </a:xfrm>
+      </p:grpSpPr>
+      <p:cxnSp>
+        <p:nvCxnSpPr>
+          <p:cNvPr id="4" name="Straight Connector 3">
+            <a:extLst>
+              <a:ext uri="{FF2B5EF4-FFF2-40B4-BE49-F238E27FC236}">
+                <a16:creationId xmlns:a16="http://schemas.microsoft.com/office/drawing/2014/main" id="{34B400EA-1DFF-6D9D-D714-810ADD8A0F73}"/>
+              </a:ext>
+            </a:extLst>
+          </p:cNvPr>
+          <p:cNvCxnSpPr>
+            <a:cxnSpLocks/>
+          </p:cNvCxnSpPr>
+          <p:nvPr/>
+        </p:nvCxnSpPr>
+        <p:spPr>
+          <a:xfrm>
+            <a:off x="6110689" y="1454226"/>
+            <a:ext cx="0" cy="5177928"/>
+          </a:xfrm>
+          <a:prstGeom prst="line">
+            <a:avLst/>
+          </a:prstGeom>
+          <a:ln w="57150"/>
+        </p:spPr>
+        <p:style>
+          <a:lnRef idx="2">
+            <a:schemeClr val="dk1"/>
+          </a:lnRef>
+          <a:fillRef idx="0">
+            <a:schemeClr val="dk1"/>
+          </a:fillRef>
+          <a:effectRef idx="1">
+            <a:schemeClr val="dk1"/>
+          </a:effectRef>
+          <a:fontRef idx="minor">
+            <a:schemeClr val="tx1"/>
+          </a:fontRef>
+        </p:style>
+      </p:cxnSp>
+      <p:sp>
+        <p:nvSpPr>
+          <p:cNvPr id="5" name="TextBox 4">
+            <a:extLst>
+              <a:ext uri="{FF2B5EF4-FFF2-40B4-BE49-F238E27FC236}">
+                <a16:creationId xmlns:a16="http://schemas.microsoft.com/office/drawing/2014/main" id="{C6205C15-34C4-C49F-C82C-BC571E45F175}"/>
+              </a:ext>
+            </a:extLst>
+          </p:cNvPr>
+          <p:cNvSpPr txBox="1"/>
+          <p:nvPr/>
+        </p:nvSpPr>
+        <p:spPr>
+          <a:xfrm>
+            <a:off x="7315201" y="1084894"/>
+            <a:ext cx="892366" cy="369332"/>
+          </a:xfrm>
+          <a:prstGeom prst="rect">
+            <a:avLst/>
+          </a:prstGeom>
+          <a:noFill/>
+        </p:spPr>
+        <p:txBody>
+          <a:bodyPr wrap="square" rtlCol="0">
+            <a:spAutoFit/>
+          </a:bodyPr>
+          <a:lstStyle/>
+          <a:p>
+            <a:pPr algn="ctr"/>
+            <a:r>
+              <a:rPr lang="en-US" dirty="0"/>
+              <a:t>GPU</a:t>
+            </a:r>
+          </a:p>
+        </p:txBody>
+      </p:sp>
+      <p:sp>
+        <p:nvSpPr>
+          <p:cNvPr id="6" name="TextBox 5">
+            <a:extLst>
+              <a:ext uri="{FF2B5EF4-FFF2-40B4-BE49-F238E27FC236}">
+                <a16:creationId xmlns:a16="http://schemas.microsoft.com/office/drawing/2014/main" id="{21920CD8-1C65-6888-4FB9-D0B80036ECF9}"/>
+              </a:ext>
+            </a:extLst>
+          </p:cNvPr>
+          <p:cNvSpPr txBox="1"/>
+          <p:nvPr/>
+        </p:nvSpPr>
+        <p:spPr>
+          <a:xfrm>
+            <a:off x="4068896" y="1084894"/>
+            <a:ext cx="892366" cy="369332"/>
+          </a:xfrm>
+          <a:prstGeom prst="rect">
+            <a:avLst/>
+          </a:prstGeom>
+          <a:noFill/>
+        </p:spPr>
+        <p:txBody>
+          <a:bodyPr wrap="square" rtlCol="0">
+            <a:spAutoFit/>
+          </a:bodyPr>
+          <a:lstStyle/>
+          <a:p>
+            <a:pPr algn="ctr"/>
+            <a:r>
+              <a:rPr lang="en-US" dirty="0"/>
+              <a:t>CPU</a:t>
+            </a:r>
+          </a:p>
+        </p:txBody>
+      </p:sp>
+      <p:sp>
+        <p:nvSpPr>
+          <p:cNvPr id="7" name="TextBox 6">
+            <a:extLst>
+              <a:ext uri="{FF2B5EF4-FFF2-40B4-BE49-F238E27FC236}">
+                <a16:creationId xmlns:a16="http://schemas.microsoft.com/office/drawing/2014/main" id="{14057153-62C1-8213-BFA2-25786ECD976F}"/>
+              </a:ext>
+            </a:extLst>
+          </p:cNvPr>
+          <p:cNvSpPr txBox="1"/>
+          <p:nvPr/>
+        </p:nvSpPr>
+        <p:spPr>
+          <a:xfrm>
+            <a:off x="4013810" y="1650944"/>
+            <a:ext cx="892366" cy="369332"/>
+          </a:xfrm>
+          <a:prstGeom prst="rect">
+            <a:avLst/>
+          </a:prstGeom>
+          <a:noFill/>
+        </p:spPr>
+        <p:txBody>
+          <a:bodyPr wrap="square" rtlCol="0">
+            <a:spAutoFit/>
+          </a:bodyPr>
+          <a:lstStyle/>
+          <a:p>
+            <a:pPr algn="ctr"/>
+            <a:r>
+              <a:rPr lang="en-US" dirty="0"/>
+              <a:t>Build A</a:t>
+            </a:r>
+          </a:p>
+        </p:txBody>
+      </p:sp>
+      <p:sp>
+        <p:nvSpPr>
+          <p:cNvPr id="8" name="TextBox 7">
+            <a:extLst>
+              <a:ext uri="{FF2B5EF4-FFF2-40B4-BE49-F238E27FC236}">
+                <a16:creationId xmlns:a16="http://schemas.microsoft.com/office/drawing/2014/main" id="{7AF8C4DE-513E-2215-DB15-6888B42F0484}"/>
+              </a:ext>
+            </a:extLst>
+          </p:cNvPr>
+          <p:cNvSpPr txBox="1"/>
+          <p:nvPr/>
+        </p:nvSpPr>
+        <p:spPr>
+          <a:xfrm>
+            <a:off x="3134302" y="2020276"/>
+            <a:ext cx="2651383" cy="369332"/>
+          </a:xfrm>
+          <a:prstGeom prst="rect">
+            <a:avLst/>
+          </a:prstGeom>
+          <a:noFill/>
+        </p:spPr>
+        <p:txBody>
+          <a:bodyPr wrap="square" rtlCol="0">
+            <a:spAutoFit/>
+          </a:bodyPr>
+          <a:lstStyle/>
+          <a:p>
+            <a:pPr algn="ctr"/>
+            <a:r>
+              <a:rPr lang="en-US" dirty="0"/>
+              <a:t>Build constant part of b</a:t>
+            </a:r>
+          </a:p>
+        </p:txBody>
+      </p:sp>
+      <p:sp>
+        <p:nvSpPr>
+          <p:cNvPr id="9" name="TextBox 8">
+            <a:extLst>
+              <a:ext uri="{FF2B5EF4-FFF2-40B4-BE49-F238E27FC236}">
+                <a16:creationId xmlns:a16="http://schemas.microsoft.com/office/drawing/2014/main" id="{45407872-F209-93D4-CF22-0F76FD3FD67B}"/>
+              </a:ext>
+            </a:extLst>
+          </p:cNvPr>
+          <p:cNvSpPr txBox="1"/>
+          <p:nvPr/>
+        </p:nvSpPr>
+        <p:spPr>
+          <a:xfrm>
+            <a:off x="3189387" y="2389608"/>
+            <a:ext cx="2651383" cy="646331"/>
+          </a:xfrm>
+          <a:prstGeom prst="rect">
+            <a:avLst/>
+          </a:prstGeom>
+          <a:noFill/>
+        </p:spPr>
+        <p:txBody>
+          <a:bodyPr wrap="square" rtlCol="0">
+            <a:spAutoFit/>
+          </a:bodyPr>
+          <a:lstStyle/>
+          <a:p>
+            <a:pPr algn="ctr"/>
+            <a:r>
+              <a:rPr lang="en-US" dirty="0"/>
+              <a:t>Allocate and move A and b to the GPU</a:t>
+            </a:r>
+          </a:p>
+        </p:txBody>
+      </p:sp>
+      <p:sp>
+        <p:nvSpPr>
+          <p:cNvPr id="10" name="TextBox 9">
+            <a:extLst>
+              <a:ext uri="{FF2B5EF4-FFF2-40B4-BE49-F238E27FC236}">
+                <a16:creationId xmlns:a16="http://schemas.microsoft.com/office/drawing/2014/main" id="{3D3A4BAD-BF17-4EA2-3298-6270615068D4}"/>
+              </a:ext>
+            </a:extLst>
+          </p:cNvPr>
+          <p:cNvSpPr txBox="1"/>
+          <p:nvPr/>
+        </p:nvSpPr>
+        <p:spPr>
+          <a:xfrm>
+            <a:off x="6380609" y="3798332"/>
+            <a:ext cx="2651383" cy="369332"/>
+          </a:xfrm>
+          <a:prstGeom prst="rect">
+            <a:avLst/>
+          </a:prstGeom>
+          <a:noFill/>
+        </p:spPr>
+        <p:txBody>
+          <a:bodyPr wrap="square" rtlCol="0">
+            <a:spAutoFit/>
+          </a:bodyPr>
+          <a:lstStyle/>
+          <a:p>
+            <a:pPr algn="ctr"/>
+            <a:r>
+              <a:rPr lang="en-US" dirty="0"/>
+              <a:t>build variable part of b</a:t>
+            </a:r>
+          </a:p>
+        </p:txBody>
+      </p:sp>
+      <p:sp>
+        <p:nvSpPr>
+          <p:cNvPr id="11" name="TextBox 10">
+            <a:extLst>
+              <a:ext uri="{FF2B5EF4-FFF2-40B4-BE49-F238E27FC236}">
+                <a16:creationId xmlns:a16="http://schemas.microsoft.com/office/drawing/2014/main" id="{EDEB1FDA-86FD-B80F-133F-A027380C45A3}"/>
+              </a:ext>
+            </a:extLst>
+          </p:cNvPr>
+          <p:cNvSpPr txBox="1"/>
+          <p:nvPr/>
+        </p:nvSpPr>
+        <p:spPr>
+          <a:xfrm>
+            <a:off x="6380608" y="4215123"/>
+            <a:ext cx="2651383" cy="923330"/>
+          </a:xfrm>
+          <a:prstGeom prst="rect">
+            <a:avLst/>
+          </a:prstGeom>
+          <a:noFill/>
+        </p:spPr>
+        <p:txBody>
+          <a:bodyPr wrap="square" rtlCol="0">
+            <a:spAutoFit/>
+          </a:bodyPr>
+          <a:lstStyle/>
+          <a:p>
+            <a:pPr algn="ctr"/>
+            <a:r>
+              <a:rPr lang="en-US" dirty="0"/>
+              <a:t>Starting with the outermost cells back substitute b with A</a:t>
+            </a:r>
+          </a:p>
+        </p:txBody>
+      </p:sp>
+      <p:sp>
+        <p:nvSpPr>
+          <p:cNvPr id="12" name="TextBox 11">
+            <a:extLst>
+              <a:ext uri="{FF2B5EF4-FFF2-40B4-BE49-F238E27FC236}">
+                <a16:creationId xmlns:a16="http://schemas.microsoft.com/office/drawing/2014/main" id="{C06AE230-19A4-4459-FB61-0FA200559A37}"/>
+              </a:ext>
+            </a:extLst>
+          </p:cNvPr>
+          <p:cNvSpPr txBox="1"/>
+          <p:nvPr/>
+        </p:nvSpPr>
+        <p:spPr>
+          <a:xfrm>
+            <a:off x="6325523" y="3429000"/>
+            <a:ext cx="2651383" cy="369332"/>
+          </a:xfrm>
+          <a:prstGeom prst="rect">
+            <a:avLst/>
+          </a:prstGeom>
+          <a:noFill/>
+        </p:spPr>
+        <p:txBody>
+          <a:bodyPr wrap="square" rtlCol="0">
+            <a:spAutoFit/>
+          </a:bodyPr>
+          <a:lstStyle/>
+          <a:p>
+            <a:pPr algn="ctr"/>
+            <a:r>
+              <a:rPr lang="en-US" dirty="0"/>
+              <a:t>Factorize A</a:t>
+            </a:r>
+          </a:p>
+        </p:txBody>
+      </p:sp>
+      <p:cxnSp>
+        <p:nvCxnSpPr>
+          <p:cNvPr id="13" name="Elbow Connector 12">
+            <a:extLst>
+              <a:ext uri="{FF2B5EF4-FFF2-40B4-BE49-F238E27FC236}">
+                <a16:creationId xmlns:a16="http://schemas.microsoft.com/office/drawing/2014/main" id="{ED5EB69B-C5C2-79D6-20A8-C2F41D3C0423}"/>
+              </a:ext>
+            </a:extLst>
+          </p:cNvPr>
+          <p:cNvCxnSpPr>
+            <a:stCxn id="9" idx="2"/>
+            <a:endCxn id="12" idx="0"/>
+          </p:cNvCxnSpPr>
+          <p:nvPr/>
+        </p:nvCxnSpPr>
+        <p:spPr>
+          <a:xfrm rot="16200000" flipH="1">
+            <a:off x="5886617" y="1664401"/>
+            <a:ext cx="393061" cy="3136136"/>
+          </a:xfrm>
+          <a:prstGeom prst="bentConnector3">
+            <a:avLst/>
+          </a:prstGeom>
+          <a:ln>
+            <a:tailEnd type="triangle"/>
+          </a:ln>
+        </p:spPr>
+        <p:style>
+          <a:lnRef idx="2">
+            <a:schemeClr val="accent1"/>
+          </a:lnRef>
+          <a:fillRef idx="0">
+            <a:schemeClr val="accent1"/>
+          </a:fillRef>
+          <a:effectRef idx="1">
+            <a:schemeClr val="accent1"/>
+          </a:effectRef>
+          <a:fontRef idx="minor">
+            <a:schemeClr val="tx1"/>
+          </a:fontRef>
+        </p:style>
+      </p:cxnSp>
+    </p:spTree>
+    <p:extLst>
+      <p:ext uri="{BB962C8B-B14F-4D97-AF65-F5344CB8AC3E}">
+        <p14:creationId xmlns:p14="http://schemas.microsoft.com/office/powerpoint/2010/main" val="213966044"/>
       </p:ext>
     </p:extLst>
   </p:cSld>
